--- a/Čišćenje_otrovanih_skupova_podataka_samonadziranim_učenjem.pptx
+++ b/Čišćenje_otrovanih_skupova_podataka_samonadziranim_učenjem.pptx
@@ -220,7 +220,7 @@
           <a:p>
             <a:fld id="{F91A084A-1022-4675-88C1-629BC7FB5CBB}" type="datetimeFigureOut">
               <a:rPr lang="en-US" smtClean="0"/>
-              <a:t>1/25/2024</a:t>
+              <a:t>5/16/2024</a:t>
             </a:fld>
             <a:endParaRPr lang="en-US"/>
           </a:p>
@@ -634,7 +634,7 @@
           <a:p>
             <a:fld id="{9426A468-C40D-4E43-A07C-E97A24181031}" type="datetime1">
               <a:rPr lang="en-US" smtClean="0"/>
-              <a:t>1/25/2024</a:t>
+              <a:t>5/16/2024</a:t>
             </a:fld>
             <a:endParaRPr lang="en-US"/>
           </a:p>
@@ -832,7 +832,7 @@
           <a:p>
             <a:fld id="{3C03DB97-6586-4102-898F-F8C665BB9B22}" type="datetime1">
               <a:rPr lang="en-US" smtClean="0"/>
-              <a:t>1/25/2024</a:t>
+              <a:t>5/16/2024</a:t>
             </a:fld>
             <a:endParaRPr lang="en-US"/>
           </a:p>
@@ -1040,7 +1040,7 @@
           <a:p>
             <a:fld id="{265B31C2-5438-402D-837B-0E03905C38C8}" type="datetime1">
               <a:rPr lang="en-US" smtClean="0"/>
-              <a:t>1/25/2024</a:t>
+              <a:t>5/16/2024</a:t>
             </a:fld>
             <a:endParaRPr lang="en-US"/>
           </a:p>
@@ -1238,7 +1238,7 @@
           <a:p>
             <a:fld id="{30CA84B9-52F8-481E-A531-E91342A62B54}" type="datetime1">
               <a:rPr lang="en-US" smtClean="0"/>
-              <a:t>1/25/2024</a:t>
+              <a:t>5/16/2024</a:t>
             </a:fld>
             <a:endParaRPr lang="en-US"/>
           </a:p>
@@ -1513,7 +1513,7 @@
           <a:p>
             <a:fld id="{CBC7DA52-3003-44B8-A016-4EBF761F66CC}" type="datetime1">
               <a:rPr lang="en-US" smtClean="0"/>
-              <a:t>1/25/2024</a:t>
+              <a:t>5/16/2024</a:t>
             </a:fld>
             <a:endParaRPr lang="en-US"/>
           </a:p>
@@ -1778,7 +1778,7 @@
           <a:p>
             <a:fld id="{53BE9751-125C-4C2E-B2AF-8D1276E4C2DC}" type="datetime1">
               <a:rPr lang="en-US" smtClean="0"/>
-              <a:t>1/25/2024</a:t>
+              <a:t>5/16/2024</a:t>
             </a:fld>
             <a:endParaRPr lang="en-US"/>
           </a:p>
@@ -2190,7 +2190,7 @@
           <a:p>
             <a:fld id="{53749DCA-89F6-4C82-A58B-CFFFE481C6A1}" type="datetime1">
               <a:rPr lang="en-US" smtClean="0"/>
-              <a:t>1/25/2024</a:t>
+              <a:t>5/16/2024</a:t>
             </a:fld>
             <a:endParaRPr lang="en-US"/>
           </a:p>
@@ -2331,7 +2331,7 @@
           <a:p>
             <a:fld id="{9E2091ED-AB42-4364-8197-AE56A1AA51C2}" type="datetime1">
               <a:rPr lang="en-US" smtClean="0"/>
-              <a:t>1/25/2024</a:t>
+              <a:t>5/16/2024</a:t>
             </a:fld>
             <a:endParaRPr lang="en-US"/>
           </a:p>
@@ -2444,7 +2444,7 @@
           <a:p>
             <a:fld id="{F0145A8E-DE3C-43D3-8363-9679039A21F3}" type="datetime1">
               <a:rPr lang="en-US" smtClean="0"/>
-              <a:t>1/25/2024</a:t>
+              <a:t>5/16/2024</a:t>
             </a:fld>
             <a:endParaRPr lang="en-US"/>
           </a:p>
@@ -2755,7 +2755,7 @@
           <a:p>
             <a:fld id="{57D23AB8-BA54-40A6-AF1D-7DE4F29EFCD3}" type="datetime1">
               <a:rPr lang="en-US" smtClean="0"/>
-              <a:t>1/25/2024</a:t>
+              <a:t>5/16/2024</a:t>
             </a:fld>
             <a:endParaRPr lang="en-US"/>
           </a:p>
@@ -3043,7 +3043,7 @@
           <a:p>
             <a:fld id="{FD33F53F-25E1-4E78-A406-D6D92B95F6BF}" type="datetime1">
               <a:rPr lang="en-US" smtClean="0"/>
-              <a:t>1/25/2024</a:t>
+              <a:t>5/16/2024</a:t>
             </a:fld>
             <a:endParaRPr lang="en-US"/>
           </a:p>
@@ -3284,7 +3284,7 @@
           <a:p>
             <a:fld id="{F37E1944-B94D-447B-B16B-B95F88D24E36}" type="datetime1">
               <a:rPr lang="en-US" smtClean="0"/>
-              <a:t>1/25/2024</a:t>
+              <a:t>5/16/2024</a:t>
             </a:fld>
             <a:endParaRPr lang="en-US" dirty="0"/>
           </a:p>
@@ -7093,7 +7093,7 @@
           <p:nvPr>
             <p:extLst>
               <p:ext uri="{D42A27DB-BD31-4B8C-83A1-F6EECF244321}">
-                <p14:modId xmlns:p14="http://schemas.microsoft.com/office/powerpoint/2010/main" val="2852905113"/>
+                <p14:modId xmlns:p14="http://schemas.microsoft.com/office/powerpoint/2010/main" val="4268125852"/>
               </p:ext>
             </p:extLst>
           </p:nvPr>
@@ -7252,8 +7252,8 @@
                     <a:lstStyle/>
                     <a:p>
                       <a:r>
-                        <a:rPr lang="hr-HR" dirty="0"/>
-                        <a:t>2.16</a:t>
+                        <a:rPr lang="hr-HR"/>
+                        <a:t>20.50</a:t>
                       </a:r>
                       <a:endParaRPr lang="en-US" dirty="0"/>
                     </a:p>
@@ -7266,8 +7266,8 @@
                     <a:lstStyle/>
                     <a:p>
                       <a:r>
-                        <a:rPr lang="hr-HR" dirty="0"/>
-                        <a:t>77.39</a:t>
+                        <a:rPr lang="hr-HR"/>
+                        <a:t>68.15</a:t>
                       </a:r>
                       <a:endParaRPr lang="en-US" dirty="0"/>
                     </a:p>
@@ -7280,8 +7280,8 @@
                     <a:lstStyle/>
                     <a:p>
                       <a:r>
-                        <a:rPr lang="hr-HR" dirty="0"/>
-                        <a:t>0.31</a:t>
+                        <a:rPr lang="hr-HR"/>
+                        <a:t>3.23</a:t>
                       </a:r>
                       <a:endParaRPr lang="en-US" dirty="0"/>
                     </a:p>
@@ -7321,8 +7321,8 @@
                     <a:lstStyle/>
                     <a:p>
                       <a:r>
-                        <a:rPr lang="hr-HR" dirty="0"/>
-                        <a:t>1.56</a:t>
+                        <a:rPr lang="hr-HR"/>
+                        <a:t>5.50</a:t>
                       </a:r>
                       <a:endParaRPr lang="en-US" dirty="0"/>
                     </a:p>
@@ -7335,8 +7335,8 @@
                     <a:lstStyle/>
                     <a:p>
                       <a:r>
-                        <a:rPr lang="hr-HR" dirty="0"/>
-                        <a:t>77.96</a:t>
+                        <a:rPr lang="hr-HR"/>
+                        <a:t>68.68</a:t>
                       </a:r>
                       <a:endParaRPr lang="en-US" dirty="0"/>
                     </a:p>
@@ -7349,8 +7349,8 @@
                     <a:lstStyle/>
                     <a:p>
                       <a:r>
-                        <a:rPr lang="hr-HR" dirty="0"/>
-                        <a:t>0.22</a:t>
+                        <a:rPr lang="hr-HR"/>
+                        <a:t>0.88</a:t>
                       </a:r>
                       <a:endParaRPr lang="en-US" dirty="0"/>
                     </a:p>
@@ -8867,7 +8867,7 @@
           <p:nvPr>
             <p:extLst>
               <p:ext uri="{D42A27DB-BD31-4B8C-83A1-F6EECF244321}">
-                <p14:modId xmlns:p14="http://schemas.microsoft.com/office/powerpoint/2010/main" val="3306937830"/>
+                <p14:modId xmlns:p14="http://schemas.microsoft.com/office/powerpoint/2010/main" val="2834095376"/>
               </p:ext>
             </p:extLst>
           </p:nvPr>
@@ -9047,8 +9047,8 @@
                         <a:defRPr/>
                       </a:pPr>
                       <a:r>
-                        <a:rPr lang="hr-HR" dirty="0"/>
-                        <a:t>98.9</a:t>
+                        <a:rPr lang="hr-HR"/>
+                        <a:t>99.66</a:t>
                       </a:r>
                       <a:endParaRPr lang="en-US" dirty="0"/>
                     </a:p>
@@ -9102,8 +9102,8 @@
                     <a:lstStyle/>
                     <a:p>
                       <a:r>
-                        <a:rPr lang="hr-HR" dirty="0"/>
-                        <a:t>10.92</a:t>
+                        <a:rPr lang="hr-HR"/>
+                        <a:t>1.2</a:t>
                       </a:r>
                       <a:endParaRPr lang="en-US" dirty="0"/>
                     </a:p>
@@ -9157,8 +9157,8 @@
                     <a:lstStyle/>
                     <a:p>
                       <a:r>
-                        <a:rPr lang="hr-HR" dirty="0"/>
-                        <a:t>11.28</a:t>
+                        <a:rPr lang="hr-HR"/>
+                        <a:t>8.82</a:t>
                       </a:r>
                       <a:endParaRPr lang="en-US" dirty="0"/>
                     </a:p>
@@ -9190,7 +9190,7 @@
           <p:nvPr>
             <p:extLst>
               <p:ext uri="{D42A27DB-BD31-4B8C-83A1-F6EECF244321}">
-                <p14:modId xmlns:p14="http://schemas.microsoft.com/office/powerpoint/2010/main" val="1547955890"/>
+                <p14:modId xmlns:p14="http://schemas.microsoft.com/office/powerpoint/2010/main" val="1075829142"/>
               </p:ext>
             </p:extLst>
           </p:nvPr>
@@ -9336,8 +9336,8 @@
                     <a:lstStyle/>
                     <a:p>
                       <a:r>
-                        <a:rPr lang="hr-HR" dirty="0"/>
-                        <a:t>83.46</a:t>
+                        <a:rPr lang="hr-HR"/>
+                        <a:t>79.58</a:t>
                       </a:r>
                       <a:endParaRPr lang="en-US" dirty="0"/>
                     </a:p>
@@ -9391,8 +9391,8 @@
                     <a:lstStyle/>
                     <a:p>
                       <a:r>
-                        <a:rPr lang="hr-HR" dirty="0"/>
-                        <a:t>12.50</a:t>
+                        <a:rPr lang="hr-HR"/>
+                        <a:t>29.07</a:t>
                       </a:r>
                       <a:endParaRPr lang="en-US" dirty="0"/>
                     </a:p>
@@ -9446,8 +9446,8 @@
                     <a:lstStyle/>
                     <a:p>
                       <a:r>
-                        <a:rPr lang="hr-HR" dirty="0"/>
-                        <a:t>9.52</a:t>
+                        <a:rPr lang="hr-HR"/>
+                        <a:t>6.28</a:t>
                       </a:r>
                       <a:endParaRPr lang="en-US" dirty="0"/>
                     </a:p>
@@ -9479,7 +9479,7 @@
           <p:nvPr>
             <p:extLst>
               <p:ext uri="{D42A27DB-BD31-4B8C-83A1-F6EECF244321}">
-                <p14:modId xmlns:p14="http://schemas.microsoft.com/office/powerpoint/2010/main" val="2417435345"/>
+                <p14:modId xmlns:p14="http://schemas.microsoft.com/office/powerpoint/2010/main" val="2356984101"/>
               </p:ext>
             </p:extLst>
           </p:nvPr>
@@ -9625,8 +9625,8 @@
                     <a:lstStyle/>
                     <a:p>
                       <a:r>
-                        <a:rPr lang="hr-HR" dirty="0"/>
-                        <a:t>10.63</a:t>
+                        <a:rPr lang="hr-HR"/>
+                        <a:t>-</a:t>
                       </a:r>
                       <a:endParaRPr lang="en-US" dirty="0"/>
                     </a:p>
